--- a/DigSite/New Arcaism/uarm 2025 1/FilMod/01 Bacon - novum organon 1-70.pptx
+++ b/DigSite/New Arcaism/uarm 2025 1/FilMod/01 Bacon - novum organon 1-70.pptx
@@ -6,9 +6,9 @@
   </p:sldMasterIdLst>
   <p:sldIdLst>
     <p:sldId id="256" r:id="rId2"/>
-    <p:sldId id="258" r:id="rId3"/>
-    <p:sldId id="257" r:id="rId4"/>
-    <p:sldId id="320" r:id="rId5"/>
+    <p:sldId id="320" r:id="rId3"/>
+    <p:sldId id="258" r:id="rId4"/>
+    <p:sldId id="257" r:id="rId5"/>
     <p:sldId id="321" r:id="rId6"/>
     <p:sldId id="326" r:id="rId7"/>
     <p:sldId id="322" r:id="rId8"/>
@@ -164,6 +164,11 @@
       </a:defRPr>
     </a:lvl9pPr>
   </p:defaultTextStyle>
+  <p:extLst>
+    <p:ext uri="{EFAFB233-063F-42B5-8137-9DF3F51BA10A}">
+      <p15:sldGuideLst xmlns:p15="http://schemas.microsoft.com/office/powerpoint/2012/main"/>
+    </p:ext>
+  </p:extLst>
 </p:presentation>
 </file>
 
@@ -316,7 +321,7 @@
           <a:p>
             <a:fld id="{3322F2CA-C26C-48C8-87B1-FFBF5ABA5A76}" type="datetimeFigureOut">
               <a:rPr lang="es-PE" smtClean="0"/>
-              <a:t>20/03/2025</a:t>
+              <a:t>26/03/2025</a:t>
             </a:fld>
             <a:endParaRPr lang="es-PE"/>
           </a:p>
@@ -516,7 +521,7 @@
           <a:p>
             <a:fld id="{3322F2CA-C26C-48C8-87B1-FFBF5ABA5A76}" type="datetimeFigureOut">
               <a:rPr lang="es-PE" smtClean="0"/>
-              <a:t>20/03/2025</a:t>
+              <a:t>26/03/2025</a:t>
             </a:fld>
             <a:endParaRPr lang="es-PE"/>
           </a:p>
@@ -726,7 +731,7 @@
           <a:p>
             <a:fld id="{3322F2CA-C26C-48C8-87B1-FFBF5ABA5A76}" type="datetimeFigureOut">
               <a:rPr lang="es-PE" smtClean="0"/>
-              <a:t>20/03/2025</a:t>
+              <a:t>26/03/2025</a:t>
             </a:fld>
             <a:endParaRPr lang="es-PE"/>
           </a:p>
@@ -926,7 +931,7 @@
           <a:p>
             <a:fld id="{3322F2CA-C26C-48C8-87B1-FFBF5ABA5A76}" type="datetimeFigureOut">
               <a:rPr lang="es-PE" smtClean="0"/>
-              <a:t>20/03/2025</a:t>
+              <a:t>26/03/2025</a:t>
             </a:fld>
             <a:endParaRPr lang="es-PE"/>
           </a:p>
@@ -1202,7 +1207,7 @@
           <a:p>
             <a:fld id="{3322F2CA-C26C-48C8-87B1-FFBF5ABA5A76}" type="datetimeFigureOut">
               <a:rPr lang="es-PE" smtClean="0"/>
-              <a:t>20/03/2025</a:t>
+              <a:t>26/03/2025</a:t>
             </a:fld>
             <a:endParaRPr lang="es-PE"/>
           </a:p>
@@ -1470,7 +1475,7 @@
           <a:p>
             <a:fld id="{3322F2CA-C26C-48C8-87B1-FFBF5ABA5A76}" type="datetimeFigureOut">
               <a:rPr lang="es-PE" smtClean="0"/>
-              <a:t>20/03/2025</a:t>
+              <a:t>26/03/2025</a:t>
             </a:fld>
             <a:endParaRPr lang="es-PE"/>
           </a:p>
@@ -1885,7 +1890,7 @@
           <a:p>
             <a:fld id="{3322F2CA-C26C-48C8-87B1-FFBF5ABA5A76}" type="datetimeFigureOut">
               <a:rPr lang="es-PE" smtClean="0"/>
-              <a:t>20/03/2025</a:t>
+              <a:t>26/03/2025</a:t>
             </a:fld>
             <a:endParaRPr lang="es-PE"/>
           </a:p>
@@ -2027,7 +2032,7 @@
           <a:p>
             <a:fld id="{3322F2CA-C26C-48C8-87B1-FFBF5ABA5A76}" type="datetimeFigureOut">
               <a:rPr lang="es-PE" smtClean="0"/>
-              <a:t>20/03/2025</a:t>
+              <a:t>26/03/2025</a:t>
             </a:fld>
             <a:endParaRPr lang="es-PE"/>
           </a:p>
@@ -2140,7 +2145,7 @@
           <a:p>
             <a:fld id="{3322F2CA-C26C-48C8-87B1-FFBF5ABA5A76}" type="datetimeFigureOut">
               <a:rPr lang="es-PE" smtClean="0"/>
-              <a:t>20/03/2025</a:t>
+              <a:t>26/03/2025</a:t>
             </a:fld>
             <a:endParaRPr lang="es-PE"/>
           </a:p>
@@ -2453,7 +2458,7 @@
           <a:p>
             <a:fld id="{3322F2CA-C26C-48C8-87B1-FFBF5ABA5A76}" type="datetimeFigureOut">
               <a:rPr lang="es-PE" smtClean="0"/>
-              <a:t>20/03/2025</a:t>
+              <a:t>26/03/2025</a:t>
             </a:fld>
             <a:endParaRPr lang="es-PE"/>
           </a:p>
@@ -2742,7 +2747,7 @@
           <a:p>
             <a:fld id="{3322F2CA-C26C-48C8-87B1-FFBF5ABA5A76}" type="datetimeFigureOut">
               <a:rPr lang="es-PE" smtClean="0"/>
-              <a:t>20/03/2025</a:t>
+              <a:t>26/03/2025</a:t>
             </a:fld>
             <a:endParaRPr lang="es-PE"/>
           </a:p>
@@ -2985,7 +2990,7 @@
           <a:p>
             <a:fld id="{3322F2CA-C26C-48C8-87B1-FFBF5ABA5A76}" type="datetimeFigureOut">
               <a:rPr lang="es-PE" smtClean="0"/>
-              <a:t>20/03/2025</a:t>
+              <a:t>26/03/2025</a:t>
             </a:fld>
             <a:endParaRPr lang="es-PE"/>
           </a:p>
@@ -7081,13 +7086,7 @@
   <p:cSld>
     <p:spTree>
       <p:nvGrpSpPr>
-        <p:cNvPr id="1" name="">
-          <a:extLst>
-            <a:ext uri="{FF2B5EF4-FFF2-40B4-BE49-F238E27FC236}">
-              <a16:creationId xmlns:a16="http://schemas.microsoft.com/office/drawing/2014/main" id="{87B2681A-6DFF-484B-2625-5D7CA8957934}"/>
-            </a:ext>
-          </a:extLst>
-        </p:cNvPr>
+        <p:cNvPr id="1" name=""/>
         <p:cNvGrpSpPr/>
         <p:nvPr/>
       </p:nvGrpSpPr>
@@ -7099,40 +7098,115 @@
           <a:chExt cx="0" cy="0"/>
         </a:xfrm>
       </p:grpSpPr>
-      <p:pic>
-        <p:nvPicPr>
-          <p:cNvPr id="3" name="Picture 2">
-            <a:extLst>
-              <a:ext uri="{FF2B5EF4-FFF2-40B4-BE49-F238E27FC236}">
-                <a16:creationId xmlns:a16="http://schemas.microsoft.com/office/drawing/2014/main" id="{638C0DD6-2880-0F50-AC54-5E6236F53B0F}"/>
-              </a:ext>
-            </a:extLst>
-          </p:cNvPr>
-          <p:cNvPicPr>
-            <a:picLocks noChangeAspect="1"/>
-          </p:cNvPicPr>
-          <p:nvPr/>
-        </p:nvPicPr>
-        <p:blipFill>
-          <a:blip r:embed="rId2"/>
-          <a:stretch>
-            <a:fillRect/>
-          </a:stretch>
-        </p:blipFill>
-        <p:spPr>
-          <a:xfrm>
-            <a:off x="0" y="0"/>
-            <a:ext cx="12184294" cy="6858000"/>
-          </a:xfrm>
-          <a:prstGeom prst="rect">
-            <a:avLst/>
-          </a:prstGeom>
-        </p:spPr>
-      </p:pic>
+      <p:sp>
+        <p:nvSpPr>
+          <p:cNvPr id="2" name="Title 1">
+            <a:extLst>
+              <a:ext uri="{FF2B5EF4-FFF2-40B4-BE49-F238E27FC236}">
+                <a16:creationId xmlns:a16="http://schemas.microsoft.com/office/drawing/2014/main" id="{51065419-DE2D-1E37-24A1-0561F32811A5}"/>
+              </a:ext>
+            </a:extLst>
+          </p:cNvPr>
+          <p:cNvSpPr>
+            <a:spLocks noGrp="1"/>
+          </p:cNvSpPr>
+          <p:nvPr>
+            <p:ph type="title"/>
+          </p:nvPr>
+        </p:nvSpPr>
+        <p:spPr>
+          <a:xfrm>
+            <a:off x="838200" y="1"/>
+            <a:ext cx="10515600" cy="806823"/>
+          </a:xfrm>
+        </p:spPr>
+        <p:txBody>
+          <a:bodyPr/>
+          <a:lstStyle/>
+          <a:p>
+            <a:pPr algn="ctr"/>
+            <a:r>
+              <a:rPr lang="es-MX" dirty="0"/>
+              <a:t>Sobre su vida</a:t>
+            </a:r>
+            <a:endParaRPr lang="es-PE" dirty="0"/>
+          </a:p>
+        </p:txBody>
+      </p:sp>
+      <p:sp>
+        <p:nvSpPr>
+          <p:cNvPr id="3" name="Content Placeholder 2">
+            <a:extLst>
+              <a:ext uri="{FF2B5EF4-FFF2-40B4-BE49-F238E27FC236}">
+                <a16:creationId xmlns:a16="http://schemas.microsoft.com/office/drawing/2014/main" id="{12CCBA95-C89D-3A9D-1E70-88E51C13864F}"/>
+              </a:ext>
+            </a:extLst>
+          </p:cNvPr>
+          <p:cNvSpPr>
+            <a:spLocks noGrp="1"/>
+          </p:cNvSpPr>
+          <p:nvPr>
+            <p:ph idx="1"/>
+          </p:nvPr>
+        </p:nvSpPr>
+        <p:spPr>
+          <a:xfrm>
+            <a:off x="838200" y="986118"/>
+            <a:ext cx="10515600" cy="5190845"/>
+          </a:xfrm>
+        </p:spPr>
+        <p:txBody>
+          <a:bodyPr>
+            <a:normAutofit/>
+          </a:bodyPr>
+          <a:lstStyle/>
+          <a:p>
+            <a:r>
+              <a:rPr lang="es-MX" dirty="0"/>
+              <a:t>Francis Bacon, (no confundir con otros Bacon) nació en Inglaterra en 1561, en una familia noble.</a:t>
+            </a:r>
+          </a:p>
+          <a:p>
+            <a:r>
+              <a:rPr lang="es-MX" dirty="0"/>
+              <a:t>Dedicó sus esfuerzos a la carrera política (su padre era funcionario, Sir y cortesano), a la filosofía y a la ciencia. </a:t>
+            </a:r>
+          </a:p>
+          <a:p>
+            <a:r>
+              <a:rPr lang="es-MX" dirty="0"/>
+              <a:t>Se destacó como fiscal y canciller, pero fue acusado de corrupción y fue destituido. Desde entonces se dedicó al conocimiento. </a:t>
+            </a:r>
+          </a:p>
+          <a:p>
+            <a:r>
+              <a:rPr lang="es-MX" dirty="0"/>
+              <a:t>Murió haciendo experimentos sobre la conservación de la comida, en un frío nevado. </a:t>
+            </a:r>
+          </a:p>
+          <a:p>
+            <a:r>
+              <a:rPr lang="es-MX" dirty="0"/>
+              <a:t>Bacon es conocido por ser el padre del empirismo (En la línea de Roger “</a:t>
+            </a:r>
+            <a:r>
+              <a:rPr lang="es-MX" dirty="0" err="1"/>
+              <a:t>frater</a:t>
+            </a:r>
+            <a:r>
+              <a:rPr lang="es-MX" dirty="0"/>
+              <a:t>” Bacon) y por ser un pionero del método científico moderno experimental. </a:t>
+            </a:r>
+          </a:p>
+          <a:p>
+            <a:endParaRPr lang="es-PE" dirty="0"/>
+          </a:p>
+        </p:txBody>
+      </p:sp>
     </p:spTree>
     <p:extLst>
       <p:ext uri="{BB962C8B-B14F-4D97-AF65-F5344CB8AC3E}">
-        <p14:creationId xmlns:p14="http://schemas.microsoft.com/office/powerpoint/2010/main" val="460528739"/>
+        <p14:creationId xmlns:p14="http://schemas.microsoft.com/office/powerpoint/2010/main" val="2032863407"/>
       </p:ext>
     </p:extLst>
   </p:cSld>
@@ -9055,7 +9129,13 @@
   <p:cSld>
     <p:spTree>
       <p:nvGrpSpPr>
-        <p:cNvPr id="1" name=""/>
+        <p:cNvPr id="1" name="">
+          <a:extLst>
+            <a:ext uri="{FF2B5EF4-FFF2-40B4-BE49-F238E27FC236}">
+              <a16:creationId xmlns:a16="http://schemas.microsoft.com/office/drawing/2014/main" id="{87B2681A-6DFF-484B-2625-5D7CA8957934}"/>
+            </a:ext>
+          </a:extLst>
+        </p:cNvPr>
         <p:cNvGrpSpPr/>
         <p:nvPr/>
       </p:nvGrpSpPr>
@@ -9069,10 +9149,10 @@
       </p:grpSpPr>
       <p:pic>
         <p:nvPicPr>
-          <p:cNvPr id="5" name="Picture 4">
-            <a:extLst>
-              <a:ext uri="{FF2B5EF4-FFF2-40B4-BE49-F238E27FC236}">
-                <a16:creationId xmlns:a16="http://schemas.microsoft.com/office/drawing/2014/main" id="{5A7CEFBD-036B-02E6-9935-48723D3706B4}"/>
+          <p:cNvPr id="3" name="Picture 2">
+            <a:extLst>
+              <a:ext uri="{FF2B5EF4-FFF2-40B4-BE49-F238E27FC236}">
+                <a16:creationId xmlns:a16="http://schemas.microsoft.com/office/drawing/2014/main" id="{638C0DD6-2880-0F50-AC54-5E6236F53B0F}"/>
               </a:ext>
             </a:extLst>
           </p:cNvPr>
@@ -9089,38 +9169,8 @@
         </p:blipFill>
         <p:spPr>
           <a:xfrm>
-            <a:off x="873506" y="1717674"/>
-            <a:ext cx="10444987" cy="3422651"/>
-          </a:xfrm>
-          <a:prstGeom prst="rect">
-            <a:avLst/>
-          </a:prstGeom>
-        </p:spPr>
-      </p:pic>
-      <p:pic>
-        <p:nvPicPr>
-          <p:cNvPr id="7" name="Picture 6">
-            <a:extLst>
-              <a:ext uri="{FF2B5EF4-FFF2-40B4-BE49-F238E27FC236}">
-                <a16:creationId xmlns:a16="http://schemas.microsoft.com/office/drawing/2014/main" id="{75372ACF-3528-D414-D113-7060D6F5F5D5}"/>
-              </a:ext>
-            </a:extLst>
-          </p:cNvPr>
-          <p:cNvPicPr>
-            <a:picLocks noChangeAspect="1"/>
-          </p:cNvPicPr>
-          <p:nvPr/>
-        </p:nvPicPr>
-        <p:blipFill>
-          <a:blip r:embed="rId3"/>
-          <a:stretch>
-            <a:fillRect/>
-          </a:stretch>
-        </p:blipFill>
-        <p:spPr>
-          <a:xfrm>
-            <a:off x="261937" y="146049"/>
-            <a:ext cx="2577116" cy="988483"/>
+            <a:off x="0" y="0"/>
+            <a:ext cx="12184294" cy="6858000"/>
           </a:xfrm>
           <a:prstGeom prst="rect">
             <a:avLst/>
@@ -9130,7 +9180,7 @@
     </p:spTree>
     <p:extLst>
       <p:ext uri="{BB962C8B-B14F-4D97-AF65-F5344CB8AC3E}">
-        <p14:creationId xmlns:p14="http://schemas.microsoft.com/office/powerpoint/2010/main" val="1996449701"/>
+        <p14:creationId xmlns:p14="http://schemas.microsoft.com/office/powerpoint/2010/main" val="460528739"/>
       </p:ext>
     </p:extLst>
   </p:cSld>
@@ -10231,115 +10281,70 @@
           <a:chExt cx="0" cy="0"/>
         </a:xfrm>
       </p:grpSpPr>
-      <p:sp>
-        <p:nvSpPr>
-          <p:cNvPr id="2" name="Title 1">
-            <a:extLst>
-              <a:ext uri="{FF2B5EF4-FFF2-40B4-BE49-F238E27FC236}">
-                <a16:creationId xmlns:a16="http://schemas.microsoft.com/office/drawing/2014/main" id="{51065419-DE2D-1E37-24A1-0561F32811A5}"/>
-              </a:ext>
-            </a:extLst>
-          </p:cNvPr>
-          <p:cNvSpPr>
-            <a:spLocks noGrp="1"/>
-          </p:cNvSpPr>
-          <p:nvPr>
-            <p:ph type="title"/>
-          </p:nvPr>
-        </p:nvSpPr>
-        <p:spPr>
-          <a:xfrm>
-            <a:off x="838200" y="1"/>
-            <a:ext cx="10515600" cy="806823"/>
-          </a:xfrm>
-        </p:spPr>
-        <p:txBody>
-          <a:bodyPr/>
-          <a:lstStyle/>
-          <a:p>
-            <a:pPr algn="ctr"/>
-            <a:r>
-              <a:rPr lang="es-MX" dirty="0"/>
-              <a:t>Sobre su vida</a:t>
-            </a:r>
-            <a:endParaRPr lang="es-PE" dirty="0"/>
-          </a:p>
-        </p:txBody>
-      </p:sp>
-      <p:sp>
-        <p:nvSpPr>
-          <p:cNvPr id="3" name="Content Placeholder 2">
-            <a:extLst>
-              <a:ext uri="{FF2B5EF4-FFF2-40B4-BE49-F238E27FC236}">
-                <a16:creationId xmlns:a16="http://schemas.microsoft.com/office/drawing/2014/main" id="{12CCBA95-C89D-3A9D-1E70-88E51C13864F}"/>
-              </a:ext>
-            </a:extLst>
-          </p:cNvPr>
-          <p:cNvSpPr>
-            <a:spLocks noGrp="1"/>
-          </p:cNvSpPr>
-          <p:nvPr>
-            <p:ph idx="1"/>
-          </p:nvPr>
-        </p:nvSpPr>
-        <p:spPr>
-          <a:xfrm>
-            <a:off x="838200" y="986118"/>
-            <a:ext cx="10515600" cy="5190845"/>
-          </a:xfrm>
-        </p:spPr>
-        <p:txBody>
-          <a:bodyPr>
-            <a:normAutofit/>
-          </a:bodyPr>
-          <a:lstStyle/>
-          <a:p>
-            <a:r>
-              <a:rPr lang="es-MX" dirty="0"/>
-              <a:t>Francis Bacon, (no confundir con otros Bacon) nació en Inglaterra en 1561, en una familia noble.</a:t>
-            </a:r>
-          </a:p>
-          <a:p>
-            <a:r>
-              <a:rPr lang="es-MX" dirty="0"/>
-              <a:t>Dedicó sus esfuerzos a la carrera política (su padre era funcionario, Sir y cortesano), a la filosofía y a la ciencia. </a:t>
-            </a:r>
-          </a:p>
-          <a:p>
-            <a:r>
-              <a:rPr lang="es-MX" dirty="0"/>
-              <a:t>Se destacó como fiscal y canciller, pero fue acusado de corrupción y fue destituido. Desde entonces se dedicó al conocimiento. </a:t>
-            </a:r>
-          </a:p>
-          <a:p>
-            <a:r>
-              <a:rPr lang="es-MX" dirty="0"/>
-              <a:t>Murió haciendo experimentos sobre la conservación de la comida, en un frío nevado. </a:t>
-            </a:r>
-          </a:p>
-          <a:p>
-            <a:r>
-              <a:rPr lang="es-MX" dirty="0"/>
-              <a:t>Bacon es conocido por ser el padre del empirismo (En la línea de Roger “</a:t>
-            </a:r>
-            <a:r>
-              <a:rPr lang="es-MX" dirty="0" err="1"/>
-              <a:t>frater</a:t>
-            </a:r>
-            <a:r>
-              <a:rPr lang="es-MX" dirty="0"/>
-              <a:t>” Bacon) y por ser un pionero del método científico moderno experimental. </a:t>
-            </a:r>
-          </a:p>
-          <a:p>
-            <a:endParaRPr lang="es-PE" dirty="0"/>
-          </a:p>
-        </p:txBody>
-      </p:sp>
+      <p:pic>
+        <p:nvPicPr>
+          <p:cNvPr id="5" name="Picture 4">
+            <a:extLst>
+              <a:ext uri="{FF2B5EF4-FFF2-40B4-BE49-F238E27FC236}">
+                <a16:creationId xmlns:a16="http://schemas.microsoft.com/office/drawing/2014/main" id="{5A7CEFBD-036B-02E6-9935-48723D3706B4}"/>
+              </a:ext>
+            </a:extLst>
+          </p:cNvPr>
+          <p:cNvPicPr>
+            <a:picLocks noChangeAspect="1"/>
+          </p:cNvPicPr>
+          <p:nvPr/>
+        </p:nvPicPr>
+        <p:blipFill>
+          <a:blip r:embed="rId2"/>
+          <a:stretch>
+            <a:fillRect/>
+          </a:stretch>
+        </p:blipFill>
+        <p:spPr>
+          <a:xfrm>
+            <a:off x="873506" y="1717674"/>
+            <a:ext cx="10444987" cy="3422651"/>
+          </a:xfrm>
+          <a:prstGeom prst="rect">
+            <a:avLst/>
+          </a:prstGeom>
+        </p:spPr>
+      </p:pic>
+      <p:pic>
+        <p:nvPicPr>
+          <p:cNvPr id="7" name="Picture 6">
+            <a:extLst>
+              <a:ext uri="{FF2B5EF4-FFF2-40B4-BE49-F238E27FC236}">
+                <a16:creationId xmlns:a16="http://schemas.microsoft.com/office/drawing/2014/main" id="{75372ACF-3528-D414-D113-7060D6F5F5D5}"/>
+              </a:ext>
+            </a:extLst>
+          </p:cNvPr>
+          <p:cNvPicPr>
+            <a:picLocks noChangeAspect="1"/>
+          </p:cNvPicPr>
+          <p:nvPr/>
+        </p:nvPicPr>
+        <p:blipFill>
+          <a:blip r:embed="rId3"/>
+          <a:stretch>
+            <a:fillRect/>
+          </a:stretch>
+        </p:blipFill>
+        <p:spPr>
+          <a:xfrm>
+            <a:off x="261937" y="146049"/>
+            <a:ext cx="2577116" cy="988483"/>
+          </a:xfrm>
+          <a:prstGeom prst="rect">
+            <a:avLst/>
+          </a:prstGeom>
+        </p:spPr>
+      </p:pic>
     </p:spTree>
     <p:extLst>
       <p:ext uri="{BB962C8B-B14F-4D97-AF65-F5344CB8AC3E}">
-        <p14:creationId xmlns:p14="http://schemas.microsoft.com/office/powerpoint/2010/main" val="2032863407"/>
+        <p14:creationId xmlns:p14="http://schemas.microsoft.com/office/powerpoint/2010/main" val="1996449701"/>
       </p:ext>
     </p:extLst>
   </p:cSld>
